--- a/FinalPresentation.pptx
+++ b/FinalPresentation.pptx
@@ -22,6 +22,7 @@
     <p:sldId id="271" r:id="rId16"/>
     <p:sldId id="273" r:id="rId17"/>
     <p:sldId id="274" r:id="rId18"/>
+    <p:sldId id="275" r:id="rId19"/>
   </p:sldIdLst>
   <p:sldSz cx="12192000" cy="6858000"/>
   <p:notesSz cx="6858000" cy="9144000"/>
@@ -17379,6 +17380,13 @@
   <p:clrMapOvr>
     <a:masterClrMapping/>
   </p:clrMapOvr>
+  <p:timing>
+    <p:tnLst>
+      <p:par>
+        <p:cTn id="1" dur="indefinite" restart="never" nodeType="tmRoot"/>
+      </p:par>
+    </p:tnLst>
+  </p:timing>
 </p:sld>
 </file>
 
@@ -18612,18 +18620,10 @@
               <a:buNone/>
             </a:pPr>
             <a:r>
-              <a:rPr lang="en-US" sz="3600" dirty="0" smtClean="0"/>
-              <a:t>A </a:t>
+              <a:rPr lang="en-US" sz="3200" dirty="0" smtClean="0"/>
+              <a:t>A random forest model using PVI, Incumbency, Beginning Cash Advantage and Final Receipts produced a model with an RMSE of </a:t>
             </a:r>
-            <a:r>
-              <a:rPr lang="en-US" sz="3600" u="sng" dirty="0" smtClean="0"/>
-              <a:t>random forest</a:t>
-            </a:r>
-            <a:r>
-              <a:rPr lang="en-US" sz="3600" dirty="0" smtClean="0"/>
-              <a:t> model using PVI, Incumbency, Beginning Cash Advantage and Final Receipts produced a model with an RMSE of </a:t>
-            </a:r>
-            <a:endParaRPr lang="en-US" sz="3600" dirty="0"/>
+            <a:endParaRPr lang="en-US" sz="3200" dirty="0"/>
           </a:p>
           <a:p>
             <a:pPr marL="0" indent="0" algn="ctr">
@@ -18702,7 +18702,7 @@
           <a:p>
             <a:r>
               <a:rPr lang="en-US" dirty="0" smtClean="0"/>
-              <a:t>Ways To Improve The Model</a:t>
+              <a:t>What did we learn?</a:t>
             </a:r>
             <a:endParaRPr lang="en-US" dirty="0"/>
           </a:p>
@@ -18727,6 +18727,100 @@
           <a:p>
             <a:r>
               <a:rPr lang="en-US" sz="2000" b="1" dirty="0" smtClean="0"/>
+              <a:t>Incumbency is a valuable predictor but not the most valuable because districts are generally represented by their favored party already.</a:t>
+            </a:r>
+          </a:p>
+          <a:p>
+            <a:r>
+              <a:rPr lang="en-US" sz="2000" b="1" dirty="0" smtClean="0"/>
+              <a:t>Cash on Hand Advantage at the beginning of the period (April 1) matters more than the ending cash advantage because of primaries.</a:t>
+            </a:r>
+            <a:endParaRPr lang="en-US" dirty="0"/>
+          </a:p>
+          <a:p>
+            <a:endParaRPr lang="en-US" sz="2000" b="1" dirty="0" smtClean="0"/>
+          </a:p>
+        </p:txBody>
+      </p:sp>
+    </p:spTree>
+    <p:extLst>
+      <p:ext uri="{BB962C8B-B14F-4D97-AF65-F5344CB8AC3E}">
+        <p14:creationId xmlns:p14="http://schemas.microsoft.com/office/powerpoint/2010/main" val="233706647"/>
+      </p:ext>
+    </p:extLst>
+  </p:cSld>
+  <p:clrMapOvr>
+    <a:masterClrMapping/>
+  </p:clrMapOvr>
+  <p:timing>
+    <p:tnLst>
+      <p:par>
+        <p:cTn id="1" dur="indefinite" restart="never" nodeType="tmRoot"/>
+      </p:par>
+    </p:tnLst>
+  </p:timing>
+</p:sld>
+</file>
+
+<file path=ppt/slides/slide18.xml><?xml version="1.0" encoding="utf-8"?>
+<p:sld xmlns:a="http://schemas.openxmlformats.org/drawingml/2006/main" xmlns:r="http://schemas.openxmlformats.org/officeDocument/2006/relationships" xmlns:p="http://schemas.openxmlformats.org/presentationml/2006/main">
+  <p:cSld>
+    <p:spTree>
+      <p:nvGrpSpPr>
+        <p:cNvPr id="1" name=""/>
+        <p:cNvGrpSpPr/>
+        <p:nvPr/>
+      </p:nvGrpSpPr>
+      <p:grpSpPr>
+        <a:xfrm>
+          <a:off x="0" y="0"/>
+          <a:ext cx="0" cy="0"/>
+          <a:chOff x="0" y="0"/>
+          <a:chExt cx="0" cy="0"/>
+        </a:xfrm>
+      </p:grpSpPr>
+      <p:sp>
+        <p:nvSpPr>
+          <p:cNvPr id="2" name="Title 1"/>
+          <p:cNvSpPr>
+            <a:spLocks noGrp="1"/>
+          </p:cNvSpPr>
+          <p:nvPr>
+            <p:ph type="title"/>
+          </p:nvPr>
+        </p:nvSpPr>
+        <p:spPr/>
+        <p:txBody>
+          <a:bodyPr/>
+          <a:lstStyle/>
+          <a:p>
+            <a:r>
+              <a:rPr lang="en-US" dirty="0" smtClean="0"/>
+              <a:t>Ways To Improve The Model</a:t>
+            </a:r>
+            <a:endParaRPr lang="en-US" dirty="0"/>
+          </a:p>
+        </p:txBody>
+      </p:sp>
+      <p:sp>
+        <p:nvSpPr>
+          <p:cNvPr id="3" name="Content Placeholder 2"/>
+          <p:cNvSpPr>
+            <a:spLocks noGrp="1"/>
+          </p:cNvSpPr>
+          <p:nvPr>
+            <p:ph idx="1"/>
+          </p:nvPr>
+        </p:nvSpPr>
+        <p:spPr/>
+        <p:txBody>
+          <a:bodyPr>
+            <a:normAutofit/>
+          </a:bodyPr>
+          <a:lstStyle/>
+          <a:p>
+            <a:r>
+              <a:rPr lang="en-US" sz="2000" b="1" dirty="0" smtClean="0"/>
               <a:t>Focus only on races in the middle zone of “toss-up” districts where the outcome is actually in question.</a:t>
             </a:r>
           </a:p>
@@ -18738,7 +18832,7 @@
             <a:endParaRPr lang="en-US" dirty="0"/>
           </a:p>
           <a:p>
-            <a:endParaRPr lang="en-US" sz="2000" b="1" smtClean="0"/>
+            <a:endParaRPr lang="en-US" sz="2000" b="1" dirty="0" smtClean="0"/>
           </a:p>
           <a:p>
             <a:endParaRPr lang="en-US" sz="2000" b="1" dirty="0"/>
@@ -18758,7 +18852,7 @@
     </p:spTree>
     <p:extLst>
       <p:ext uri="{BB962C8B-B14F-4D97-AF65-F5344CB8AC3E}">
-        <p14:creationId xmlns:p14="http://schemas.microsoft.com/office/powerpoint/2010/main" val="233706647"/>
+        <p14:creationId xmlns:p14="http://schemas.microsoft.com/office/powerpoint/2010/main" val="2004077773"/>
       </p:ext>
     </p:extLst>
   </p:cSld>
@@ -18894,6 +18988,13 @@
   <p:clrMapOvr>
     <a:masterClrMapping/>
   </p:clrMapOvr>
+  <p:timing>
+    <p:tnLst>
+      <p:par>
+        <p:cTn id="1" dur="indefinite" restart="never" nodeType="tmRoot"/>
+      </p:par>
+    </p:tnLst>
+  </p:timing>
 </p:sld>
 </file>
 
@@ -18997,6 +19098,13 @@
   <p:clrMapOvr>
     <a:masterClrMapping/>
   </p:clrMapOvr>
+  <p:timing>
+    <p:tnLst>
+      <p:par>
+        <p:cTn id="1" dur="indefinite" restart="never" nodeType="tmRoot"/>
+      </p:par>
+    </p:tnLst>
+  </p:timing>
 </p:sld>
 </file>
 
@@ -19099,6 +19207,13 @@
   <p:clrMapOvr>
     <a:masterClrMapping/>
   </p:clrMapOvr>
+  <p:timing>
+    <p:tnLst>
+      <p:par>
+        <p:cTn id="1" dur="indefinite" restart="never" nodeType="tmRoot"/>
+      </p:par>
+    </p:tnLst>
+  </p:timing>
 </p:sld>
 </file>
 
@@ -19204,6 +19319,13 @@
   <p:clrMapOvr>
     <a:masterClrMapping/>
   </p:clrMapOvr>
+  <p:timing>
+    <p:tnLst>
+      <p:par>
+        <p:cTn id="1" dur="indefinite" restart="never" nodeType="tmRoot"/>
+      </p:par>
+    </p:tnLst>
+  </p:timing>
 </p:sld>
 </file>
 
@@ -19366,6 +19488,13 @@
   <p:clrMapOvr>
     <a:masterClrMapping/>
   </p:clrMapOvr>
+  <p:timing>
+    <p:tnLst>
+      <p:par>
+        <p:cTn id="1" dur="indefinite" restart="never" nodeType="tmRoot"/>
+      </p:par>
+    </p:tnLst>
+  </p:timing>
 </p:sld>
 </file>
 
@@ -19563,6 +19692,13 @@
   <p:clrMapOvr>
     <a:masterClrMapping/>
   </p:clrMapOvr>
+  <p:timing>
+    <p:tnLst>
+      <p:par>
+        <p:cTn id="1" dur="indefinite" restart="never" nodeType="tmRoot"/>
+      </p:par>
+    </p:tnLst>
+  </p:timing>
 </p:sld>
 </file>
 
@@ -19690,6 +19826,13 @@
   <p:clrMapOvr>
     <a:masterClrMapping/>
   </p:clrMapOvr>
+  <p:timing>
+    <p:tnLst>
+      <p:par>
+        <p:cTn id="1" dur="indefinite" restart="never" nodeType="tmRoot"/>
+      </p:par>
+    </p:tnLst>
+  </p:timing>
 </p:sld>
 </file>
 
@@ -19817,6 +19960,13 @@
   <p:clrMapOvr>
     <a:masterClrMapping/>
   </p:clrMapOvr>
+  <p:timing>
+    <p:tnLst>
+      <p:par>
+        <p:cTn id="1" dur="indefinite" restart="never" nodeType="tmRoot"/>
+      </p:par>
+    </p:tnLst>
+  </p:timing>
 </p:sld>
 </file>
 
